--- a/卢老师论文汇报/1108.pptx
+++ b/卢老师论文汇报/1108.pptx
@@ -271,7 +271,7 @@
           <a:p>
             <a:fld id="{05D1DEA3-224F-45CD-ABFB-AAB1758CA7DD}" type="datetimeFigureOut">
               <a:rPr lang="zh-CN" altLang="en-US" smtClean="0"/>
-              <a:t>2023/11/6</a:t>
+              <a:t>2023/11/7</a:t>
             </a:fld>
             <a:endParaRPr lang="zh-CN" altLang="en-US"/>
           </a:p>
@@ -469,7 +469,7 @@
           <a:p>
             <a:fld id="{05D1DEA3-224F-45CD-ABFB-AAB1758CA7DD}" type="datetimeFigureOut">
               <a:rPr lang="zh-CN" altLang="en-US" smtClean="0"/>
-              <a:t>2023/11/6</a:t>
+              <a:t>2023/11/7</a:t>
             </a:fld>
             <a:endParaRPr lang="zh-CN" altLang="en-US"/>
           </a:p>
@@ -677,7 +677,7 @@
           <a:p>
             <a:fld id="{05D1DEA3-224F-45CD-ABFB-AAB1758CA7DD}" type="datetimeFigureOut">
               <a:rPr lang="zh-CN" altLang="en-US" smtClean="0"/>
-              <a:t>2023/11/6</a:t>
+              <a:t>2023/11/7</a:t>
             </a:fld>
             <a:endParaRPr lang="zh-CN" altLang="en-US"/>
           </a:p>
@@ -875,7 +875,7 @@
           <a:p>
             <a:fld id="{05D1DEA3-224F-45CD-ABFB-AAB1758CA7DD}" type="datetimeFigureOut">
               <a:rPr lang="zh-CN" altLang="en-US" smtClean="0"/>
-              <a:t>2023/11/6</a:t>
+              <a:t>2023/11/7</a:t>
             </a:fld>
             <a:endParaRPr lang="zh-CN" altLang="en-US"/>
           </a:p>
@@ -1150,7 +1150,7 @@
           <a:p>
             <a:fld id="{05D1DEA3-224F-45CD-ABFB-AAB1758CA7DD}" type="datetimeFigureOut">
               <a:rPr lang="zh-CN" altLang="en-US" smtClean="0"/>
-              <a:t>2023/11/6</a:t>
+              <a:t>2023/11/7</a:t>
             </a:fld>
             <a:endParaRPr lang="zh-CN" altLang="en-US"/>
           </a:p>
@@ -1415,7 +1415,7 @@
           <a:p>
             <a:fld id="{05D1DEA3-224F-45CD-ABFB-AAB1758CA7DD}" type="datetimeFigureOut">
               <a:rPr lang="zh-CN" altLang="en-US" smtClean="0"/>
-              <a:t>2023/11/6</a:t>
+              <a:t>2023/11/7</a:t>
             </a:fld>
             <a:endParaRPr lang="zh-CN" altLang="en-US"/>
           </a:p>
@@ -1827,7 +1827,7 @@
           <a:p>
             <a:fld id="{05D1DEA3-224F-45CD-ABFB-AAB1758CA7DD}" type="datetimeFigureOut">
               <a:rPr lang="zh-CN" altLang="en-US" smtClean="0"/>
-              <a:t>2023/11/6</a:t>
+              <a:t>2023/11/7</a:t>
             </a:fld>
             <a:endParaRPr lang="zh-CN" altLang="en-US"/>
           </a:p>
@@ -1968,7 +1968,7 @@
           <a:p>
             <a:fld id="{05D1DEA3-224F-45CD-ABFB-AAB1758CA7DD}" type="datetimeFigureOut">
               <a:rPr lang="zh-CN" altLang="en-US" smtClean="0"/>
-              <a:t>2023/11/6</a:t>
+              <a:t>2023/11/7</a:t>
             </a:fld>
             <a:endParaRPr lang="zh-CN" altLang="en-US"/>
           </a:p>
@@ -2081,7 +2081,7 @@
           <a:p>
             <a:fld id="{05D1DEA3-224F-45CD-ABFB-AAB1758CA7DD}" type="datetimeFigureOut">
               <a:rPr lang="zh-CN" altLang="en-US" smtClean="0"/>
-              <a:t>2023/11/6</a:t>
+              <a:t>2023/11/7</a:t>
             </a:fld>
             <a:endParaRPr lang="zh-CN" altLang="en-US"/>
           </a:p>
@@ -2392,7 +2392,7 @@
           <a:p>
             <a:fld id="{05D1DEA3-224F-45CD-ABFB-AAB1758CA7DD}" type="datetimeFigureOut">
               <a:rPr lang="zh-CN" altLang="en-US" smtClean="0"/>
-              <a:t>2023/11/6</a:t>
+              <a:t>2023/11/7</a:t>
             </a:fld>
             <a:endParaRPr lang="zh-CN" altLang="en-US"/>
           </a:p>
@@ -2680,7 +2680,7 @@
           <a:p>
             <a:fld id="{05D1DEA3-224F-45CD-ABFB-AAB1758CA7DD}" type="datetimeFigureOut">
               <a:rPr lang="zh-CN" altLang="en-US" smtClean="0"/>
-              <a:t>2023/11/6</a:t>
+              <a:t>2023/11/7</a:t>
             </a:fld>
             <a:endParaRPr lang="zh-CN" altLang="en-US"/>
           </a:p>
@@ -2921,7 +2921,7 @@
           <a:p>
             <a:fld id="{05D1DEA3-224F-45CD-ABFB-AAB1758CA7DD}" type="datetimeFigureOut">
               <a:rPr lang="zh-CN" altLang="en-US" smtClean="0"/>
-              <a:t>2023/11/6</a:t>
+              <a:t>2023/11/7</a:t>
             </a:fld>
             <a:endParaRPr lang="zh-CN" altLang="en-US"/>
           </a:p>
@@ -4162,36 +4162,6 @@
           <a:chExt cx="0" cy="0"/>
         </a:xfrm>
       </p:grpSpPr>
-      <p:pic>
-        <p:nvPicPr>
-          <p:cNvPr id="3" name="图片 2">
-            <a:extLst>
-              <a:ext uri="{FF2B5EF4-FFF2-40B4-BE49-F238E27FC236}">
-                <a16:creationId xmlns:a16="http://schemas.microsoft.com/office/drawing/2014/main" id="{177886AC-192A-F23A-9EB9-89F45049F4C8}"/>
-              </a:ext>
-            </a:extLst>
-          </p:cNvPr>
-          <p:cNvPicPr>
-            <a:picLocks noChangeAspect="1"/>
-          </p:cNvPicPr>
-          <p:nvPr/>
-        </p:nvPicPr>
-        <p:blipFill>
-          <a:blip r:embed="rId2"/>
-          <a:stretch>
-            <a:fillRect/>
-          </a:stretch>
-        </p:blipFill>
-        <p:spPr>
-          <a:xfrm>
-            <a:off x="1068532" y="2270934"/>
-            <a:ext cx="9944100" cy="1695450"/>
-          </a:xfrm>
-          <a:prstGeom prst="rect">
-            <a:avLst/>
-          </a:prstGeom>
-        </p:spPr>
-      </p:pic>
       <p:sp>
         <p:nvSpPr>
           <p:cNvPr id="5" name="文本框 4">
@@ -4257,6 +4227,35 @@
           </a:p>
         </p:txBody>
       </p:sp>
+      <p:pic>
+        <p:nvPicPr>
+          <p:cNvPr id="4" name="图片 3">
+            <a:extLst>
+              <a:ext uri="{FF2B5EF4-FFF2-40B4-BE49-F238E27FC236}">
+                <a16:creationId xmlns:a16="http://schemas.microsoft.com/office/drawing/2014/main" id="{5EBFD8E3-3767-41EC-BF1C-CFE41086C169}"/>
+              </a:ext>
+            </a:extLst>
+          </p:cNvPr>
+          <p:cNvPicPr>
+            <a:picLocks noChangeAspect="1"/>
+          </p:cNvPicPr>
+          <p:nvPr/>
+        </p:nvPicPr>
+        <p:blipFill rotWithShape="1">
+          <a:blip r:embed="rId2"/>
+          <a:srcRect r="12860"/>
+          <a:stretch/>
+        </p:blipFill>
+        <p:spPr>
+          <a:xfrm>
+            <a:off x="1023115" y="2487507"/>
+            <a:ext cx="9920078" cy="1427316"/>
+          </a:xfrm>
+          <a:prstGeom prst="rect">
+            <a:avLst/>
+          </a:prstGeom>
+        </p:spPr>
+      </p:pic>
     </p:spTree>
     <p:extLst>
       <p:ext uri="{BB962C8B-B14F-4D97-AF65-F5344CB8AC3E}">
@@ -6049,7 +6048,7 @@
             <a:prstDash val="dash"/>
             <a:extLst>
               <a:ext uri="{C807C97D-BFC1-408E-A445-0C87EB9F89A2}">
-                <ask:lineSketchStyleProps xmlns:ask="http://schemas.microsoft.com/office/drawing/2018/sketchyshapes" sd="1219033472">
+                <ask:lineSketchStyleProps xmlns:ask="http://schemas.microsoft.com/office/drawing/2018/sketchyshapes" xmlns="" sd="1219033472">
                   <a:custGeom>
                     <a:avLst/>
                     <a:gdLst>
@@ -6345,7 +6344,7 @@
             <a:prstDash val="dash"/>
             <a:extLst>
               <a:ext uri="{C807C97D-BFC1-408E-A445-0C87EB9F89A2}">
-                <ask:lineSketchStyleProps xmlns:ask="http://schemas.microsoft.com/office/drawing/2018/sketchyshapes" sd="1219033472">
+                <ask:lineSketchStyleProps xmlns:ask="http://schemas.microsoft.com/office/drawing/2018/sketchyshapes" xmlns="" sd="1219033472">
                   <a:custGeom>
                     <a:avLst/>
                     <a:gdLst>
@@ -8361,8 +8360,8 @@
           <a:chExt cx="0" cy="0"/>
         </a:xfrm>
       </p:grpSpPr>
-      <mc:AlternateContent xmlns:mc="http://schemas.openxmlformats.org/markup-compatibility/2006">
-        <mc:Choice xmlns:a14="http://schemas.microsoft.com/office/drawing/2010/main" Requires="a14">
+      <mc:AlternateContent xmlns:mc="http://schemas.openxmlformats.org/markup-compatibility/2006" xmlns:a14="http://schemas.microsoft.com/office/drawing/2010/main">
+        <mc:Choice Requires="a14">
           <p:sp>
             <p:nvSpPr>
               <p:cNvPr id="4" name="文本框 3">
@@ -8498,37 +8497,37 @@
                   <m:oMath xmlns:m="http://schemas.openxmlformats.org/officeDocument/2006/math">
                     <m:r>
                       <a:rPr lang="en-US" altLang="zh-CN" i="1" dirty="0" smtClean="0">
-                        <a:latin typeface="+mn-ea"/>
+                        <a:latin typeface="Cambria Math" panose="02040503050406030204" pitchFamily="18" charset="0"/>
                       </a:rPr>
                       <m:t>𝐷</m:t>
                     </m:r>
                     <m:r>
                       <a:rPr lang="en-US" altLang="zh-CN" i="1" dirty="0" smtClean="0">
-                        <a:latin typeface="+mn-ea"/>
+                        <a:latin typeface="Cambria Math" panose="02040503050406030204" pitchFamily="18" charset="0"/>
                       </a:rPr>
                       <m:t> </m:t>
                     </m:r>
                     <m:r>
                       <a:rPr lang="en-US" altLang="zh-CN" i="1" dirty="0">
-                        <a:latin typeface="+mn-ea"/>
+                        <a:latin typeface="Cambria Math" panose="02040503050406030204" pitchFamily="18" charset="0"/>
                       </a:rPr>
                       <m:t>𝐽</m:t>
                     </m:r>
                     <m:r>
                       <a:rPr lang="en-US" altLang="zh-CN" i="1" dirty="0">
-                        <a:latin typeface="+mn-ea"/>
+                        <a:latin typeface="Cambria Math" panose="02040503050406030204" pitchFamily="18" charset="0"/>
                       </a:rPr>
                       <m:t> ( </m:t>
                     </m:r>
                     <m:r>
                       <a:rPr lang="en-US" altLang="zh-CN" i="1" dirty="0" err="1" smtClean="0">
-                        <a:latin typeface="+mn-ea"/>
+                        <a:latin typeface="Cambria Math" panose="02040503050406030204" pitchFamily="18" charset="0"/>
                       </a:rPr>
                       <m:t>𝑖</m:t>
                     </m:r>
                     <m:r>
                       <a:rPr lang="en-US" altLang="zh-CN" i="1" dirty="0">
-                        <a:latin typeface="+mn-ea"/>
+                        <a:latin typeface="Cambria Math" panose="02040503050406030204" pitchFamily="18" charset="0"/>
                       </a:rPr>
                       <m:t> ) </m:t>
                     </m:r>
@@ -8588,31 +8587,31 @@
                   <m:oMath xmlns:m="http://schemas.openxmlformats.org/officeDocument/2006/math">
                     <m:r>
                       <a:rPr lang="en-US" altLang="zh-CN" i="1" dirty="0" smtClean="0">
-                        <a:latin typeface="+mn-ea"/>
+                        <a:latin typeface="Cambria Math" panose="02040503050406030204" pitchFamily="18" charset="0"/>
                       </a:rPr>
                       <m:t>𝐹</m:t>
                     </m:r>
                     <m:r>
                       <a:rPr lang="en-US" altLang="zh-CN" i="1" dirty="0" smtClean="0">
-                        <a:latin typeface="+mn-ea"/>
+                        <a:latin typeface="Cambria Math" panose="02040503050406030204" pitchFamily="18" charset="0"/>
                       </a:rPr>
                       <m:t> 1 ⊂ </m:t>
                     </m:r>
                     <m:r>
                       <a:rPr lang="en-US" altLang="zh-CN" i="1" dirty="0" smtClean="0">
-                        <a:latin typeface="+mn-ea"/>
+                        <a:latin typeface="Cambria Math" panose="02040503050406030204" pitchFamily="18" charset="0"/>
                       </a:rPr>
                       <m:t>𝐹</m:t>
                     </m:r>
                     <m:r>
                       <a:rPr lang="en-US" altLang="zh-CN" i="1" dirty="0" smtClean="0">
-                        <a:latin typeface="+mn-ea"/>
+                        <a:latin typeface="Cambria Math" panose="02040503050406030204" pitchFamily="18" charset="0"/>
                       </a:rPr>
                       <m:t> 2 ⊂ … ⊂ </m:t>
                     </m:r>
                     <m:r>
                       <a:rPr lang="en-US" altLang="zh-CN" i="1" dirty="0" smtClean="0">
-                        <a:latin typeface="+mn-ea"/>
+                        <a:latin typeface="Cambria Math" panose="02040503050406030204" pitchFamily="18" charset="0"/>
                       </a:rPr>
                       <m:t>𝐹</m:t>
                     </m:r>
@@ -8625,7 +8624,7 @@
             </p:txBody>
           </p:sp>
         </mc:Choice>
-        <mc:Fallback>
+        <mc:Fallback xmlns="">
           <p:sp>
             <p:nvSpPr>
               <p:cNvPr id="4" name="文本框 3">
@@ -9713,7 +9712,7 @@
             </a:r>
             <a:r>
               <a:rPr lang="zh-CN" altLang="en-US" sz="1600" dirty="0"/>
-              <a:t>放电容量曲线差图面积差有着较强的相关性</a:t>
+              <a:t>放电容量曲线差的方差</a:t>
             </a:r>
           </a:p>
         </p:txBody>

--- a/卢老师论文汇报/1108.pptx
+++ b/卢老师论文汇报/1108.pptx
@@ -4229,10 +4229,10 @@
       </p:sp>
       <p:pic>
         <p:nvPicPr>
-          <p:cNvPr id="4" name="图片 3">
-            <a:extLst>
-              <a:ext uri="{FF2B5EF4-FFF2-40B4-BE49-F238E27FC236}">
-                <a16:creationId xmlns:a16="http://schemas.microsoft.com/office/drawing/2014/main" id="{5EBFD8E3-3767-41EC-BF1C-CFE41086C169}"/>
+          <p:cNvPr id="3" name="图片 2">
+            <a:extLst>
+              <a:ext uri="{FF2B5EF4-FFF2-40B4-BE49-F238E27FC236}">
+                <a16:creationId xmlns:a16="http://schemas.microsoft.com/office/drawing/2014/main" id="{11BA0870-B859-5DDB-2348-ED5792C893F3}"/>
               </a:ext>
             </a:extLst>
           </p:cNvPr>
@@ -4241,15 +4241,16 @@
           </p:cNvPicPr>
           <p:nvPr/>
         </p:nvPicPr>
-        <p:blipFill rotWithShape="1">
+        <p:blipFill>
           <a:blip r:embed="rId2"/>
-          <a:srcRect r="12860"/>
-          <a:stretch/>
+          <a:stretch>
+            <a:fillRect/>
+          </a:stretch>
         </p:blipFill>
         <p:spPr>
           <a:xfrm>
-            <a:off x="1023115" y="2487507"/>
-            <a:ext cx="9920078" cy="1427316"/>
+            <a:off x="1023115" y="2352136"/>
+            <a:ext cx="10207334" cy="1520768"/>
           </a:xfrm>
           <a:prstGeom prst="rect">
             <a:avLst/>
@@ -6048,7 +6049,7 @@
             <a:prstDash val="dash"/>
             <a:extLst>
               <a:ext uri="{C807C97D-BFC1-408E-A445-0C87EB9F89A2}">
-                <ask:lineSketchStyleProps xmlns:ask="http://schemas.microsoft.com/office/drawing/2018/sketchyshapes" xmlns="" sd="1219033472">
+                <ask:lineSketchStyleProps xmlns:ask="http://schemas.microsoft.com/office/drawing/2018/sketchyshapes" sd="1219033472">
                   <a:custGeom>
                     <a:avLst/>
                     <a:gdLst>
@@ -6344,7 +6345,7 @@
             <a:prstDash val="dash"/>
             <a:extLst>
               <a:ext uri="{C807C97D-BFC1-408E-A445-0C87EB9F89A2}">
-                <ask:lineSketchStyleProps xmlns:ask="http://schemas.microsoft.com/office/drawing/2018/sketchyshapes" xmlns="" sd="1219033472">
+                <ask:lineSketchStyleProps xmlns:ask="http://schemas.microsoft.com/office/drawing/2018/sketchyshapes" sd="1219033472">
                   <a:custGeom>
                     <a:avLst/>
                     <a:gdLst>
@@ -9081,8 +9082,8 @@
         </p:blipFill>
         <p:spPr>
           <a:xfrm>
-            <a:off x="1069571" y="1167093"/>
-            <a:ext cx="8600902" cy="3542207"/>
+            <a:off x="1023115" y="1385628"/>
+            <a:ext cx="10278334" cy="4233043"/>
           </a:xfrm>
           <a:prstGeom prst="rect">
             <a:avLst/>
